--- a/book/figures/monitor.pptx
+++ b/book/figures/monitor.pptx
@@ -197,7 +197,7 @@
           <a:p>
             <a:fld id="{CA6D6662-2E78-E749-AC74-8B6293A2273E}" type="datetimeFigureOut">
               <a:rPr lang="en-US" smtClean="0"/>
-              <a:t>6/15/20</a:t>
+              <a:t>7/30/20</a:t>
             </a:fld>
             <a:endParaRPr lang="en-US"/>
           </a:p>
@@ -611,7 +611,7 @@
           <a:p>
             <a:fld id="{04834100-F070-AD4C-B025-37E5903F439D}" type="datetimeFigureOut">
               <a:rPr lang="en-US" smtClean="0"/>
-              <a:t>6/15/20</a:t>
+              <a:t>7/30/20</a:t>
             </a:fld>
             <a:endParaRPr lang="en-US"/>
           </a:p>
@@ -809,7 +809,7 @@
           <a:p>
             <a:fld id="{04834100-F070-AD4C-B025-37E5903F439D}" type="datetimeFigureOut">
               <a:rPr lang="en-US" smtClean="0"/>
-              <a:t>6/15/20</a:t>
+              <a:t>7/30/20</a:t>
             </a:fld>
             <a:endParaRPr lang="en-US"/>
           </a:p>
@@ -1017,7 +1017,7 @@
           <a:p>
             <a:fld id="{04834100-F070-AD4C-B025-37E5903F439D}" type="datetimeFigureOut">
               <a:rPr lang="en-US" smtClean="0"/>
-              <a:t>6/15/20</a:t>
+              <a:t>7/30/20</a:t>
             </a:fld>
             <a:endParaRPr lang="en-US"/>
           </a:p>
@@ -1215,7 +1215,7 @@
           <a:p>
             <a:fld id="{04834100-F070-AD4C-B025-37E5903F439D}" type="datetimeFigureOut">
               <a:rPr lang="en-US" smtClean="0"/>
-              <a:t>6/15/20</a:t>
+              <a:t>7/30/20</a:t>
             </a:fld>
             <a:endParaRPr lang="en-US"/>
           </a:p>
@@ -1490,7 +1490,7 @@
           <a:p>
             <a:fld id="{04834100-F070-AD4C-B025-37E5903F439D}" type="datetimeFigureOut">
               <a:rPr lang="en-US" smtClean="0"/>
-              <a:t>6/15/20</a:t>
+              <a:t>7/30/20</a:t>
             </a:fld>
             <a:endParaRPr lang="en-US"/>
           </a:p>
@@ -1755,7 +1755,7 @@
           <a:p>
             <a:fld id="{04834100-F070-AD4C-B025-37E5903F439D}" type="datetimeFigureOut">
               <a:rPr lang="en-US" smtClean="0"/>
-              <a:t>6/15/20</a:t>
+              <a:t>7/30/20</a:t>
             </a:fld>
             <a:endParaRPr lang="en-US"/>
           </a:p>
@@ -2167,7 +2167,7 @@
           <a:p>
             <a:fld id="{04834100-F070-AD4C-B025-37E5903F439D}" type="datetimeFigureOut">
               <a:rPr lang="en-US" smtClean="0"/>
-              <a:t>6/15/20</a:t>
+              <a:t>7/30/20</a:t>
             </a:fld>
             <a:endParaRPr lang="en-US"/>
           </a:p>
@@ -2313,7 +2313,7 @@
           <a:p>
             <a:fld id="{04834100-F070-AD4C-B025-37E5903F439D}" type="datetimeFigureOut">
               <a:rPr lang="en-US" smtClean="0"/>
-              <a:t>6/15/20</a:t>
+              <a:t>7/30/20</a:t>
             </a:fld>
             <a:endParaRPr lang="en-US"/>
           </a:p>
@@ -2426,7 +2426,7 @@
           <a:p>
             <a:fld id="{04834100-F070-AD4C-B025-37E5903F439D}" type="datetimeFigureOut">
               <a:rPr lang="en-US" smtClean="0"/>
-              <a:t>6/15/20</a:t>
+              <a:t>7/30/20</a:t>
             </a:fld>
             <a:endParaRPr lang="en-US"/>
           </a:p>
@@ -2737,7 +2737,7 @@
           <a:p>
             <a:fld id="{04834100-F070-AD4C-B025-37E5903F439D}" type="datetimeFigureOut">
               <a:rPr lang="en-US" smtClean="0"/>
-              <a:t>6/15/20</a:t>
+              <a:t>7/30/20</a:t>
             </a:fld>
             <a:endParaRPr lang="en-US"/>
           </a:p>
@@ -3025,7 +3025,7 @@
           <a:p>
             <a:fld id="{04834100-F070-AD4C-B025-37E5903F439D}" type="datetimeFigureOut">
               <a:rPr lang="en-US" smtClean="0"/>
-              <a:t>6/15/20</a:t>
+              <a:t>7/30/20</a:t>
             </a:fld>
             <a:endParaRPr lang="en-US"/>
           </a:p>
@@ -3266,7 +3266,7 @@
           <a:p>
             <a:fld id="{04834100-F070-AD4C-B025-37E5903F439D}" type="datetimeFigureOut">
               <a:rPr lang="en-US" smtClean="0"/>
-              <a:t>6/15/20</a:t>
+              <a:t>7/30/20</a:t>
             </a:fld>
             <a:endParaRPr lang="en-US"/>
           </a:p>
@@ -4651,7 +4651,7 @@
         </p:nvSpPr>
         <p:spPr>
           <a:xfrm rot="10800000">
-            <a:off x="1186668" y="3246473"/>
+            <a:off x="957841" y="3246473"/>
             <a:ext cx="484632" cy="340241"/>
           </a:xfrm>
           <a:prstGeom prst="upArrow">
@@ -5574,6 +5574,52 @@
         <p:spPr>
           <a:xfrm rot="16200000">
             <a:off x="538328" y="3671871"/>
+            <a:ext cx="484632" cy="340241"/>
+          </a:xfrm>
+          <a:prstGeom prst="upArrow">
+            <a:avLst/>
+          </a:prstGeom>
+        </p:spPr>
+        <p:style>
+          <a:lnRef idx="2">
+            <a:schemeClr val="accent1">
+              <a:shade val="50000"/>
+            </a:schemeClr>
+          </a:lnRef>
+          <a:fillRef idx="1">
+            <a:schemeClr val="accent1"/>
+          </a:fillRef>
+          <a:effectRef idx="0">
+            <a:schemeClr val="accent1"/>
+          </a:effectRef>
+          <a:fontRef idx="minor">
+            <a:schemeClr val="lt1"/>
+          </a:fontRef>
+        </p:style>
+        <p:txBody>
+          <a:bodyPr rtlCol="0" anchor="ctr"/>
+          <a:lstStyle/>
+          <a:p>
+            <a:pPr algn="ctr"/>
+            <a:endParaRPr lang="en-US"/>
+          </a:p>
+        </p:txBody>
+      </p:sp>
+      <p:sp>
+        <p:nvSpPr>
+          <p:cNvPr id="50" name="Up Arrow 49">
+            <a:extLst>
+              <a:ext uri="{FF2B5EF4-FFF2-40B4-BE49-F238E27FC236}">
+                <a16:creationId xmlns:a16="http://schemas.microsoft.com/office/drawing/2014/main" id="{9F90B87D-321E-5F4C-9A21-B74BA69D02EF}"/>
+              </a:ext>
+            </a:extLst>
+          </p:cNvPr>
+          <p:cNvSpPr/>
+          <p:nvPr/>
+        </p:nvSpPr>
+        <p:spPr>
+          <a:xfrm>
+            <a:off x="1437507" y="3076353"/>
             <a:ext cx="484632" cy="340241"/>
           </a:xfrm>
           <a:prstGeom prst="upArrow">
